--- a/Presentazione standard2.pptx
+++ b/Presentazione standard2.pptx
@@ -104,6 +104,11 @@
       </a:defRPr>
     </a:lvl9pPr>
   </p:defaultTextStyle>
+  <p:extLst>
+    <p:ext uri="{EFAFB233-063F-42B5-8137-9DF3F51BA10A}">
+      <p15:sldGuideLst xmlns:p15="http://schemas.microsoft.com/office/powerpoint/2012/main"/>
+    </p:ext>
+  </p:extLst>
 </p:presentation>
 </file>
 
@@ -149,10 +154,9 @@
           </a:lstStyle>
           <a:p>
             <a:r>
-              <a:rPr lang="it-IT" smtClean="0"/>
+              <a:rPr lang="it-IT"/>
               <a:t>Fare clic per modificare lo stile del titolo</a:t>
             </a:r>
-            <a:endParaRPr lang="it-IT"/>
           </a:p>
         </p:txBody>
       </p:sp>
@@ -214,10 +218,9 @@
           </a:lstStyle>
           <a:p>
             <a:r>
-              <a:rPr lang="it-IT" smtClean="0"/>
+              <a:rPr lang="it-IT"/>
               <a:t>Fare clic per modificare lo stile del sottotitolo dello schema</a:t>
             </a:r>
-            <a:endParaRPr lang="it-IT"/>
           </a:p>
         </p:txBody>
       </p:sp>
@@ -238,7 +241,7 @@
           <a:p>
             <a:fld id="{B2D47D83-CD91-44FD-9870-60B2E5CCA354}" type="datetimeFigureOut">
               <a:rPr lang="it-IT" smtClean="0"/>
-              <a:t>02/07/2021</a:t>
+              <a:t>13/07/2021</a:t>
             </a:fld>
             <a:endParaRPr lang="it-IT"/>
           </a:p>
@@ -280,7 +283,7 @@
           <a:p>
             <a:fld id="{3BD59575-BF6C-45A3-948E-0E7577007437}" type="slidenum">
               <a:rPr lang="it-IT" smtClean="0"/>
-              <a:t>‹N›</a:t>
+              <a:t>‹#›</a:t>
             </a:fld>
             <a:endParaRPr lang="it-IT"/>
           </a:p>
@@ -332,10 +335,9 @@
           <a:lstStyle/>
           <a:p>
             <a:r>
-              <a:rPr lang="it-IT" smtClean="0"/>
+              <a:rPr lang="it-IT"/>
               <a:t>Fare clic per modificare lo stile del titolo</a:t>
             </a:r>
-            <a:endParaRPr lang="it-IT"/>
           </a:p>
         </p:txBody>
       </p:sp>
@@ -356,38 +358,37 @@
           <a:p>
             <a:pPr lvl="0"/>
             <a:r>
-              <a:rPr lang="it-IT" smtClean="0"/>
+              <a:rPr lang="it-IT"/>
               <a:t>Modifica gli stili del testo dello schema</a:t>
             </a:r>
           </a:p>
           <a:p>
             <a:pPr lvl="1"/>
             <a:r>
-              <a:rPr lang="it-IT" smtClean="0"/>
+              <a:rPr lang="it-IT"/>
               <a:t>Secondo livello</a:t>
             </a:r>
           </a:p>
           <a:p>
             <a:pPr lvl="2"/>
             <a:r>
-              <a:rPr lang="it-IT" smtClean="0"/>
+              <a:rPr lang="it-IT"/>
               <a:t>Terzo livello</a:t>
             </a:r>
           </a:p>
           <a:p>
             <a:pPr lvl="3"/>
             <a:r>
-              <a:rPr lang="it-IT" smtClean="0"/>
+              <a:rPr lang="it-IT"/>
               <a:t>Quarto livello</a:t>
             </a:r>
           </a:p>
           <a:p>
             <a:pPr lvl="4"/>
             <a:r>
-              <a:rPr lang="it-IT" smtClean="0"/>
+              <a:rPr lang="it-IT"/>
               <a:t>Quinto livello</a:t>
             </a:r>
-            <a:endParaRPr lang="it-IT"/>
           </a:p>
         </p:txBody>
       </p:sp>
@@ -408,7 +409,7 @@
           <a:p>
             <a:fld id="{B2D47D83-CD91-44FD-9870-60B2E5CCA354}" type="datetimeFigureOut">
               <a:rPr lang="it-IT" smtClean="0"/>
-              <a:t>02/07/2021</a:t>
+              <a:t>13/07/2021</a:t>
             </a:fld>
             <a:endParaRPr lang="it-IT"/>
           </a:p>
@@ -450,7 +451,7 @@
           <a:p>
             <a:fld id="{3BD59575-BF6C-45A3-948E-0E7577007437}" type="slidenum">
               <a:rPr lang="it-IT" smtClean="0"/>
-              <a:t>‹N›</a:t>
+              <a:t>‹#›</a:t>
             </a:fld>
             <a:endParaRPr lang="it-IT"/>
           </a:p>
@@ -507,10 +508,9 @@
           <a:lstStyle/>
           <a:p>
             <a:r>
-              <a:rPr lang="it-IT" smtClean="0"/>
+              <a:rPr lang="it-IT"/>
               <a:t>Fare clic per modificare lo stile del titolo</a:t>
             </a:r>
-            <a:endParaRPr lang="it-IT"/>
           </a:p>
         </p:txBody>
       </p:sp>
@@ -536,38 +536,37 @@
           <a:p>
             <a:pPr lvl="0"/>
             <a:r>
-              <a:rPr lang="it-IT" smtClean="0"/>
+              <a:rPr lang="it-IT"/>
               <a:t>Modifica gli stili del testo dello schema</a:t>
             </a:r>
           </a:p>
           <a:p>
             <a:pPr lvl="1"/>
             <a:r>
-              <a:rPr lang="it-IT" smtClean="0"/>
+              <a:rPr lang="it-IT"/>
               <a:t>Secondo livello</a:t>
             </a:r>
           </a:p>
           <a:p>
             <a:pPr lvl="2"/>
             <a:r>
-              <a:rPr lang="it-IT" smtClean="0"/>
+              <a:rPr lang="it-IT"/>
               <a:t>Terzo livello</a:t>
             </a:r>
           </a:p>
           <a:p>
             <a:pPr lvl="3"/>
             <a:r>
-              <a:rPr lang="it-IT" smtClean="0"/>
+              <a:rPr lang="it-IT"/>
               <a:t>Quarto livello</a:t>
             </a:r>
           </a:p>
           <a:p>
             <a:pPr lvl="4"/>
             <a:r>
-              <a:rPr lang="it-IT" smtClean="0"/>
+              <a:rPr lang="it-IT"/>
               <a:t>Quinto livello</a:t>
             </a:r>
-            <a:endParaRPr lang="it-IT"/>
           </a:p>
         </p:txBody>
       </p:sp>
@@ -588,7 +587,7 @@
           <a:p>
             <a:fld id="{B2D47D83-CD91-44FD-9870-60B2E5CCA354}" type="datetimeFigureOut">
               <a:rPr lang="it-IT" smtClean="0"/>
-              <a:t>02/07/2021</a:t>
+              <a:t>13/07/2021</a:t>
             </a:fld>
             <a:endParaRPr lang="it-IT"/>
           </a:p>
@@ -630,7 +629,7 @@
           <a:p>
             <a:fld id="{3BD59575-BF6C-45A3-948E-0E7577007437}" type="slidenum">
               <a:rPr lang="it-IT" smtClean="0"/>
-              <a:t>‹N›</a:t>
+              <a:t>‹#›</a:t>
             </a:fld>
             <a:endParaRPr lang="it-IT"/>
           </a:p>
@@ -682,10 +681,9 @@
           <a:lstStyle/>
           <a:p>
             <a:r>
-              <a:rPr lang="it-IT" smtClean="0"/>
+              <a:rPr lang="it-IT"/>
               <a:t>Fare clic per modificare lo stile del titolo</a:t>
             </a:r>
-            <a:endParaRPr lang="it-IT"/>
           </a:p>
         </p:txBody>
       </p:sp>
@@ -706,38 +704,37 @@
           <a:p>
             <a:pPr lvl="0"/>
             <a:r>
-              <a:rPr lang="it-IT" smtClean="0"/>
+              <a:rPr lang="it-IT"/>
               <a:t>Modifica gli stili del testo dello schema</a:t>
             </a:r>
           </a:p>
           <a:p>
             <a:pPr lvl="1"/>
             <a:r>
-              <a:rPr lang="it-IT" smtClean="0"/>
+              <a:rPr lang="it-IT"/>
               <a:t>Secondo livello</a:t>
             </a:r>
           </a:p>
           <a:p>
             <a:pPr lvl="2"/>
             <a:r>
-              <a:rPr lang="it-IT" smtClean="0"/>
+              <a:rPr lang="it-IT"/>
               <a:t>Terzo livello</a:t>
             </a:r>
           </a:p>
           <a:p>
             <a:pPr lvl="3"/>
             <a:r>
-              <a:rPr lang="it-IT" smtClean="0"/>
+              <a:rPr lang="it-IT"/>
               <a:t>Quarto livello</a:t>
             </a:r>
           </a:p>
           <a:p>
             <a:pPr lvl="4"/>
             <a:r>
-              <a:rPr lang="it-IT" smtClean="0"/>
+              <a:rPr lang="it-IT"/>
               <a:t>Quinto livello</a:t>
             </a:r>
-            <a:endParaRPr lang="it-IT"/>
           </a:p>
         </p:txBody>
       </p:sp>
@@ -758,7 +755,7 @@
           <a:p>
             <a:fld id="{B2D47D83-CD91-44FD-9870-60B2E5CCA354}" type="datetimeFigureOut">
               <a:rPr lang="it-IT" smtClean="0"/>
-              <a:t>02/07/2021</a:t>
+              <a:t>13/07/2021</a:t>
             </a:fld>
             <a:endParaRPr lang="it-IT"/>
           </a:p>
@@ -800,7 +797,7 @@
           <a:p>
             <a:fld id="{3BD59575-BF6C-45A3-948E-0E7577007437}" type="slidenum">
               <a:rPr lang="it-IT" smtClean="0"/>
-              <a:t>‹N›</a:t>
+              <a:t>‹#›</a:t>
             </a:fld>
             <a:endParaRPr lang="it-IT"/>
           </a:p>
@@ -861,10 +858,9 @@
           </a:lstStyle>
           <a:p>
             <a:r>
-              <a:rPr lang="it-IT" smtClean="0"/>
+              <a:rPr lang="it-IT"/>
               <a:t>Fare clic per modificare lo stile del titolo</a:t>
             </a:r>
-            <a:endParaRPr lang="it-IT"/>
           </a:p>
         </p:txBody>
       </p:sp>
@@ -981,7 +977,7 @@
           <a:p>
             <a:pPr lvl="0"/>
             <a:r>
-              <a:rPr lang="it-IT" smtClean="0"/>
+              <a:rPr lang="it-IT"/>
               <a:t>Modifica gli stili del testo dello schema</a:t>
             </a:r>
           </a:p>
@@ -1004,7 +1000,7 @@
           <a:p>
             <a:fld id="{B2D47D83-CD91-44FD-9870-60B2E5CCA354}" type="datetimeFigureOut">
               <a:rPr lang="it-IT" smtClean="0"/>
-              <a:t>02/07/2021</a:t>
+              <a:t>13/07/2021</a:t>
             </a:fld>
             <a:endParaRPr lang="it-IT"/>
           </a:p>
@@ -1046,7 +1042,7 @@
           <a:p>
             <a:fld id="{3BD59575-BF6C-45A3-948E-0E7577007437}" type="slidenum">
               <a:rPr lang="it-IT" smtClean="0"/>
-              <a:t>‹N›</a:t>
+              <a:t>‹#›</a:t>
             </a:fld>
             <a:endParaRPr lang="it-IT"/>
           </a:p>
@@ -1098,10 +1094,9 @@
           <a:lstStyle/>
           <a:p>
             <a:r>
-              <a:rPr lang="it-IT" smtClean="0"/>
+              <a:rPr lang="it-IT"/>
               <a:t>Fare clic per modificare lo stile del titolo</a:t>
             </a:r>
-            <a:endParaRPr lang="it-IT"/>
           </a:p>
         </p:txBody>
       </p:sp>
@@ -1127,38 +1122,37 @@
           <a:p>
             <a:pPr lvl="0"/>
             <a:r>
-              <a:rPr lang="it-IT" smtClean="0"/>
+              <a:rPr lang="it-IT"/>
               <a:t>Modifica gli stili del testo dello schema</a:t>
             </a:r>
           </a:p>
           <a:p>
             <a:pPr lvl="1"/>
             <a:r>
-              <a:rPr lang="it-IT" smtClean="0"/>
+              <a:rPr lang="it-IT"/>
               <a:t>Secondo livello</a:t>
             </a:r>
           </a:p>
           <a:p>
             <a:pPr lvl="2"/>
             <a:r>
-              <a:rPr lang="it-IT" smtClean="0"/>
+              <a:rPr lang="it-IT"/>
               <a:t>Terzo livello</a:t>
             </a:r>
           </a:p>
           <a:p>
             <a:pPr lvl="3"/>
             <a:r>
-              <a:rPr lang="it-IT" smtClean="0"/>
+              <a:rPr lang="it-IT"/>
               <a:t>Quarto livello</a:t>
             </a:r>
           </a:p>
           <a:p>
             <a:pPr lvl="4"/>
             <a:r>
-              <a:rPr lang="it-IT" smtClean="0"/>
+              <a:rPr lang="it-IT"/>
               <a:t>Quinto livello</a:t>
             </a:r>
-            <a:endParaRPr lang="it-IT"/>
           </a:p>
         </p:txBody>
       </p:sp>
@@ -1184,38 +1178,37 @@
           <a:p>
             <a:pPr lvl="0"/>
             <a:r>
-              <a:rPr lang="it-IT" smtClean="0"/>
+              <a:rPr lang="it-IT"/>
               <a:t>Modifica gli stili del testo dello schema</a:t>
             </a:r>
           </a:p>
           <a:p>
             <a:pPr lvl="1"/>
             <a:r>
-              <a:rPr lang="it-IT" smtClean="0"/>
+              <a:rPr lang="it-IT"/>
               <a:t>Secondo livello</a:t>
             </a:r>
           </a:p>
           <a:p>
             <a:pPr lvl="2"/>
             <a:r>
-              <a:rPr lang="it-IT" smtClean="0"/>
+              <a:rPr lang="it-IT"/>
               <a:t>Terzo livello</a:t>
             </a:r>
           </a:p>
           <a:p>
             <a:pPr lvl="3"/>
             <a:r>
-              <a:rPr lang="it-IT" smtClean="0"/>
+              <a:rPr lang="it-IT"/>
               <a:t>Quarto livello</a:t>
             </a:r>
           </a:p>
           <a:p>
             <a:pPr lvl="4"/>
             <a:r>
-              <a:rPr lang="it-IT" smtClean="0"/>
+              <a:rPr lang="it-IT"/>
               <a:t>Quinto livello</a:t>
             </a:r>
-            <a:endParaRPr lang="it-IT"/>
           </a:p>
         </p:txBody>
       </p:sp>
@@ -1236,7 +1229,7 @@
           <a:p>
             <a:fld id="{B2D47D83-CD91-44FD-9870-60B2E5CCA354}" type="datetimeFigureOut">
               <a:rPr lang="it-IT" smtClean="0"/>
-              <a:t>02/07/2021</a:t>
+              <a:t>13/07/2021</a:t>
             </a:fld>
             <a:endParaRPr lang="it-IT"/>
           </a:p>
@@ -1278,7 +1271,7 @@
           <a:p>
             <a:fld id="{3BD59575-BF6C-45A3-948E-0E7577007437}" type="slidenum">
               <a:rPr lang="it-IT" smtClean="0"/>
-              <a:t>‹N›</a:t>
+              <a:t>‹#›</a:t>
             </a:fld>
             <a:endParaRPr lang="it-IT"/>
           </a:p>
@@ -1335,10 +1328,9 @@
           <a:lstStyle/>
           <a:p>
             <a:r>
-              <a:rPr lang="it-IT" smtClean="0"/>
+              <a:rPr lang="it-IT"/>
               <a:t>Fare clic per modificare lo stile del titolo</a:t>
             </a:r>
-            <a:endParaRPr lang="it-IT"/>
           </a:p>
         </p:txBody>
       </p:sp>
@@ -1401,7 +1393,7 @@
           <a:p>
             <a:pPr lvl="0"/>
             <a:r>
-              <a:rPr lang="it-IT" smtClean="0"/>
+              <a:rPr lang="it-IT"/>
               <a:t>Modifica gli stili del testo dello schema</a:t>
             </a:r>
           </a:p>
@@ -1429,38 +1421,37 @@
           <a:p>
             <a:pPr lvl="0"/>
             <a:r>
-              <a:rPr lang="it-IT" smtClean="0"/>
+              <a:rPr lang="it-IT"/>
               <a:t>Modifica gli stili del testo dello schema</a:t>
             </a:r>
           </a:p>
           <a:p>
             <a:pPr lvl="1"/>
             <a:r>
-              <a:rPr lang="it-IT" smtClean="0"/>
+              <a:rPr lang="it-IT"/>
               <a:t>Secondo livello</a:t>
             </a:r>
           </a:p>
           <a:p>
             <a:pPr lvl="2"/>
             <a:r>
-              <a:rPr lang="it-IT" smtClean="0"/>
+              <a:rPr lang="it-IT"/>
               <a:t>Terzo livello</a:t>
             </a:r>
           </a:p>
           <a:p>
             <a:pPr lvl="3"/>
             <a:r>
-              <a:rPr lang="it-IT" smtClean="0"/>
+              <a:rPr lang="it-IT"/>
               <a:t>Quarto livello</a:t>
             </a:r>
           </a:p>
           <a:p>
             <a:pPr lvl="4"/>
             <a:r>
-              <a:rPr lang="it-IT" smtClean="0"/>
+              <a:rPr lang="it-IT"/>
               <a:t>Quinto livello</a:t>
             </a:r>
-            <a:endParaRPr lang="it-IT"/>
           </a:p>
         </p:txBody>
       </p:sp>
@@ -1523,7 +1514,7 @@
           <a:p>
             <a:pPr lvl="0"/>
             <a:r>
-              <a:rPr lang="it-IT" smtClean="0"/>
+              <a:rPr lang="it-IT"/>
               <a:t>Modifica gli stili del testo dello schema</a:t>
             </a:r>
           </a:p>
@@ -1551,38 +1542,37 @@
           <a:p>
             <a:pPr lvl="0"/>
             <a:r>
-              <a:rPr lang="it-IT" smtClean="0"/>
+              <a:rPr lang="it-IT"/>
               <a:t>Modifica gli stili del testo dello schema</a:t>
             </a:r>
           </a:p>
           <a:p>
             <a:pPr lvl="1"/>
             <a:r>
-              <a:rPr lang="it-IT" smtClean="0"/>
+              <a:rPr lang="it-IT"/>
               <a:t>Secondo livello</a:t>
             </a:r>
           </a:p>
           <a:p>
             <a:pPr lvl="2"/>
             <a:r>
-              <a:rPr lang="it-IT" smtClean="0"/>
+              <a:rPr lang="it-IT"/>
               <a:t>Terzo livello</a:t>
             </a:r>
           </a:p>
           <a:p>
             <a:pPr lvl="3"/>
             <a:r>
-              <a:rPr lang="it-IT" smtClean="0"/>
+              <a:rPr lang="it-IT"/>
               <a:t>Quarto livello</a:t>
             </a:r>
           </a:p>
           <a:p>
             <a:pPr lvl="4"/>
             <a:r>
-              <a:rPr lang="it-IT" smtClean="0"/>
+              <a:rPr lang="it-IT"/>
               <a:t>Quinto livello</a:t>
             </a:r>
-            <a:endParaRPr lang="it-IT"/>
           </a:p>
         </p:txBody>
       </p:sp>
@@ -1603,7 +1593,7 @@
           <a:p>
             <a:fld id="{B2D47D83-CD91-44FD-9870-60B2E5CCA354}" type="datetimeFigureOut">
               <a:rPr lang="it-IT" smtClean="0"/>
-              <a:t>02/07/2021</a:t>
+              <a:t>13/07/2021</a:t>
             </a:fld>
             <a:endParaRPr lang="it-IT"/>
           </a:p>
@@ -1645,7 +1635,7 @@
           <a:p>
             <a:fld id="{3BD59575-BF6C-45A3-948E-0E7577007437}" type="slidenum">
               <a:rPr lang="it-IT" smtClean="0"/>
-              <a:t>‹N›</a:t>
+              <a:t>‹#›</a:t>
             </a:fld>
             <a:endParaRPr lang="it-IT"/>
           </a:p>
@@ -1697,10 +1687,9 @@
           <a:lstStyle/>
           <a:p>
             <a:r>
-              <a:rPr lang="it-IT" smtClean="0"/>
+              <a:rPr lang="it-IT"/>
               <a:t>Fare clic per modificare lo stile del titolo</a:t>
             </a:r>
-            <a:endParaRPr lang="it-IT"/>
           </a:p>
         </p:txBody>
       </p:sp>
@@ -1721,7 +1710,7 @@
           <a:p>
             <a:fld id="{B2D47D83-CD91-44FD-9870-60B2E5CCA354}" type="datetimeFigureOut">
               <a:rPr lang="it-IT" smtClean="0"/>
-              <a:t>02/07/2021</a:t>
+              <a:t>13/07/2021</a:t>
             </a:fld>
             <a:endParaRPr lang="it-IT"/>
           </a:p>
@@ -1763,7 +1752,7 @@
           <a:p>
             <a:fld id="{3BD59575-BF6C-45A3-948E-0E7577007437}" type="slidenum">
               <a:rPr lang="it-IT" smtClean="0"/>
-              <a:t>‹N›</a:t>
+              <a:t>‹#›</a:t>
             </a:fld>
             <a:endParaRPr lang="it-IT"/>
           </a:p>
@@ -1816,7 +1805,7 @@
           <a:p>
             <a:fld id="{B2D47D83-CD91-44FD-9870-60B2E5CCA354}" type="datetimeFigureOut">
               <a:rPr lang="it-IT" smtClean="0"/>
-              <a:t>02/07/2021</a:t>
+              <a:t>13/07/2021</a:t>
             </a:fld>
             <a:endParaRPr lang="it-IT"/>
           </a:p>
@@ -1858,7 +1847,7 @@
           <a:p>
             <a:fld id="{3BD59575-BF6C-45A3-948E-0E7577007437}" type="slidenum">
               <a:rPr lang="it-IT" smtClean="0"/>
-              <a:t>‹N›</a:t>
+              <a:t>‹#›</a:t>
             </a:fld>
             <a:endParaRPr lang="it-IT"/>
           </a:p>
@@ -1919,10 +1908,9 @@
           </a:lstStyle>
           <a:p>
             <a:r>
-              <a:rPr lang="it-IT" smtClean="0"/>
+              <a:rPr lang="it-IT"/>
               <a:t>Fare clic per modificare lo stile del titolo</a:t>
             </a:r>
-            <a:endParaRPr lang="it-IT"/>
           </a:p>
         </p:txBody>
       </p:sp>
@@ -1976,38 +1964,37 @@
           <a:p>
             <a:pPr lvl="0"/>
             <a:r>
-              <a:rPr lang="it-IT" smtClean="0"/>
+              <a:rPr lang="it-IT"/>
               <a:t>Modifica gli stili del testo dello schema</a:t>
             </a:r>
           </a:p>
           <a:p>
             <a:pPr lvl="1"/>
             <a:r>
-              <a:rPr lang="it-IT" smtClean="0"/>
+              <a:rPr lang="it-IT"/>
               <a:t>Secondo livello</a:t>
             </a:r>
           </a:p>
           <a:p>
             <a:pPr lvl="2"/>
             <a:r>
-              <a:rPr lang="it-IT" smtClean="0"/>
+              <a:rPr lang="it-IT"/>
               <a:t>Terzo livello</a:t>
             </a:r>
           </a:p>
           <a:p>
             <a:pPr lvl="3"/>
             <a:r>
-              <a:rPr lang="it-IT" smtClean="0"/>
+              <a:rPr lang="it-IT"/>
               <a:t>Quarto livello</a:t>
             </a:r>
           </a:p>
           <a:p>
             <a:pPr lvl="4"/>
             <a:r>
-              <a:rPr lang="it-IT" smtClean="0"/>
+              <a:rPr lang="it-IT"/>
               <a:t>Quinto livello</a:t>
             </a:r>
-            <a:endParaRPr lang="it-IT"/>
           </a:p>
         </p:txBody>
       </p:sp>
@@ -2070,7 +2057,7 @@
           <a:p>
             <a:pPr lvl="0"/>
             <a:r>
-              <a:rPr lang="it-IT" smtClean="0"/>
+              <a:rPr lang="it-IT"/>
               <a:t>Modifica gli stili del testo dello schema</a:t>
             </a:r>
           </a:p>
@@ -2093,7 +2080,7 @@
           <a:p>
             <a:fld id="{B2D47D83-CD91-44FD-9870-60B2E5CCA354}" type="datetimeFigureOut">
               <a:rPr lang="it-IT" smtClean="0"/>
-              <a:t>02/07/2021</a:t>
+              <a:t>13/07/2021</a:t>
             </a:fld>
             <a:endParaRPr lang="it-IT"/>
           </a:p>
@@ -2135,7 +2122,7 @@
           <a:p>
             <a:fld id="{3BD59575-BF6C-45A3-948E-0E7577007437}" type="slidenum">
               <a:rPr lang="it-IT" smtClean="0"/>
-              <a:t>‹N›</a:t>
+              <a:t>‹#›</a:t>
             </a:fld>
             <a:endParaRPr lang="it-IT"/>
           </a:p>
@@ -2196,10 +2183,9 @@
           </a:lstStyle>
           <a:p>
             <a:r>
-              <a:rPr lang="it-IT" smtClean="0"/>
+              <a:rPr lang="it-IT"/>
               <a:t>Fare clic per modificare lo stile del titolo</a:t>
             </a:r>
-            <a:endParaRPr lang="it-IT"/>
           </a:p>
         </p:txBody>
       </p:sp>
@@ -2323,7 +2309,7 @@
           <a:p>
             <a:pPr lvl="0"/>
             <a:r>
-              <a:rPr lang="it-IT" smtClean="0"/>
+              <a:rPr lang="it-IT"/>
               <a:t>Modifica gli stili del testo dello schema</a:t>
             </a:r>
           </a:p>
@@ -2346,7 +2332,7 @@
           <a:p>
             <a:fld id="{B2D47D83-CD91-44FD-9870-60B2E5CCA354}" type="datetimeFigureOut">
               <a:rPr lang="it-IT" smtClean="0"/>
-              <a:t>02/07/2021</a:t>
+              <a:t>13/07/2021</a:t>
             </a:fld>
             <a:endParaRPr lang="it-IT"/>
           </a:p>
@@ -2388,7 +2374,7 @@
           <a:p>
             <a:fld id="{3BD59575-BF6C-45A3-948E-0E7577007437}" type="slidenum">
               <a:rPr lang="it-IT" smtClean="0"/>
-              <a:t>‹N›</a:t>
+              <a:t>‹#›</a:t>
             </a:fld>
             <a:endParaRPr lang="it-IT"/>
           </a:p>
@@ -2455,10 +2441,9 @@
           <a:lstStyle/>
           <a:p>
             <a:r>
-              <a:rPr lang="it-IT" smtClean="0"/>
+              <a:rPr lang="it-IT"/>
               <a:t>Fare clic per modificare lo stile del titolo</a:t>
             </a:r>
-            <a:endParaRPr lang="it-IT"/>
           </a:p>
         </p:txBody>
       </p:sp>
@@ -2489,38 +2474,37 @@
           <a:p>
             <a:pPr lvl="0"/>
             <a:r>
-              <a:rPr lang="it-IT" smtClean="0"/>
+              <a:rPr lang="it-IT"/>
               <a:t>Modifica gli stili del testo dello schema</a:t>
             </a:r>
           </a:p>
           <a:p>
             <a:pPr lvl="1"/>
             <a:r>
-              <a:rPr lang="it-IT" smtClean="0"/>
+              <a:rPr lang="it-IT"/>
               <a:t>Secondo livello</a:t>
             </a:r>
           </a:p>
           <a:p>
             <a:pPr lvl="2"/>
             <a:r>
-              <a:rPr lang="it-IT" smtClean="0"/>
+              <a:rPr lang="it-IT"/>
               <a:t>Terzo livello</a:t>
             </a:r>
           </a:p>
           <a:p>
             <a:pPr lvl="3"/>
             <a:r>
-              <a:rPr lang="it-IT" smtClean="0"/>
+              <a:rPr lang="it-IT"/>
               <a:t>Quarto livello</a:t>
             </a:r>
           </a:p>
           <a:p>
             <a:pPr lvl="4"/>
             <a:r>
-              <a:rPr lang="it-IT" smtClean="0"/>
+              <a:rPr lang="it-IT"/>
               <a:t>Quinto livello</a:t>
             </a:r>
-            <a:endParaRPr lang="it-IT"/>
           </a:p>
         </p:txBody>
       </p:sp>
@@ -2559,7 +2543,7 @@
           <a:p>
             <a:fld id="{B2D47D83-CD91-44FD-9870-60B2E5CCA354}" type="datetimeFigureOut">
               <a:rPr lang="it-IT" smtClean="0"/>
-              <a:t>02/07/2021</a:t>
+              <a:t>13/07/2021</a:t>
             </a:fld>
             <a:endParaRPr lang="it-IT"/>
           </a:p>
@@ -2637,7 +2621,7 @@
           <a:p>
             <a:fld id="{3BD59575-BF6C-45A3-948E-0E7577007437}" type="slidenum">
               <a:rPr lang="it-IT" smtClean="0"/>
-              <a:t>‹N›</a:t>
+              <a:t>‹#›</a:t>
             </a:fld>
             <a:endParaRPr lang="it-IT"/>
           </a:p>
@@ -2964,44 +2948,6 @@
           <a:chExt cx="0" cy="0"/>
         </a:xfrm>
       </p:grpSpPr>
-      <p:sp>
-        <p:nvSpPr>
-          <p:cNvPr id="2" name="Titolo 1"/>
-          <p:cNvSpPr>
-            <a:spLocks noGrp="1"/>
-          </p:cNvSpPr>
-          <p:nvPr>
-            <p:ph type="ctrTitle"/>
-          </p:nvPr>
-        </p:nvSpPr>
-        <p:spPr/>
-        <p:txBody>
-          <a:bodyPr/>
-          <a:lstStyle/>
-          <a:p>
-            <a:endParaRPr lang="it-IT" dirty="0"/>
-          </a:p>
-        </p:txBody>
-      </p:sp>
-      <p:sp>
-        <p:nvSpPr>
-          <p:cNvPr id="3" name="Sottotitolo 2"/>
-          <p:cNvSpPr>
-            <a:spLocks noGrp="1"/>
-          </p:cNvSpPr>
-          <p:nvPr>
-            <p:ph type="subTitle" idx="1"/>
-          </p:nvPr>
-        </p:nvSpPr>
-        <p:spPr/>
-        <p:txBody>
-          <a:bodyPr/>
-          <a:lstStyle/>
-          <a:p>
-            <a:endParaRPr lang="it-IT"/>
-          </a:p>
-        </p:txBody>
-      </p:sp>
       <p:graphicFrame>
         <p:nvGraphicFramePr>
           <p:cNvPr id="4" name="Tabella 3"/>
@@ -3011,14 +2957,14 @@
           <p:nvPr>
             <p:extLst>
               <p:ext uri="{D42A27DB-BD31-4B8C-83A1-F6EECF244321}">
-                <p14:modId xmlns:p14="http://schemas.microsoft.com/office/powerpoint/2010/main" val="643142085"/>
+                <p14:modId xmlns:p14="http://schemas.microsoft.com/office/powerpoint/2010/main" val="659062717"/>
               </p:ext>
             </p:extLst>
           </p:nvPr>
         </p:nvGraphicFramePr>
         <p:xfrm>
           <a:off x="2032000" y="719666"/>
-          <a:ext cx="5418666" cy="6304280"/>
+          <a:ext cx="5418666" cy="5376960"/>
         </p:xfrm>
         <a:graphic>
           <a:graphicData uri="http://schemas.openxmlformats.org/drawingml/2006/table">
@@ -3042,26 +2988,26 @@
                   </a:extLst>
                 </a:gridCol>
               </a:tblGrid>
-              <a:tr h="370840">
+              <a:tr h="365131">
                 <a:tc gridSpan="2">
                   <a:txBody>
                     <a:bodyPr/>
                     <a:lstStyle/>
                     <a:p>
                       <a:r>
-                        <a:rPr lang="it-IT" dirty="0" smtClean="0"/>
+                        <a:rPr lang="it-IT" dirty="0"/>
                         <a:t>General info from trace </a:t>
                       </a:r>
                       <a:r>
-                        <a:rPr lang="it-IT" dirty="0" err="1" smtClean="0"/>
+                        <a:rPr lang="it-IT" dirty="0" err="1"/>
                         <a:t>using</a:t>
                       </a:r>
                       <a:r>
-                        <a:rPr lang="it-IT" dirty="0" smtClean="0"/>
+                        <a:rPr lang="it-IT" dirty="0"/>
                         <a:t> </a:t>
                       </a:r>
                       <a:r>
-                        <a:rPr lang="it-IT" dirty="0" err="1" smtClean="0"/>
+                        <a:rPr lang="it-IT" dirty="0" err="1"/>
                         <a:t>capinfos</a:t>
                       </a:r>
                       <a:endParaRPr lang="it-IT" dirty="0"/>
@@ -3085,7 +3031,7 @@
                   </a:ext>
                 </a:extLst>
               </a:tr>
-              <a:tr h="370840">
+              <a:tr h="313200">
                 <a:tc>
                   <a:txBody>
                     <a:bodyPr/>
@@ -3149,7 +3095,7 @@
                   </a:ext>
                 </a:extLst>
               </a:tr>
-              <a:tr h="370840">
+              <a:tr h="313200">
                 <a:tc>
                   <a:txBody>
                     <a:bodyPr/>
@@ -3240,7 +3186,7 @@
                   </a:ext>
                 </a:extLst>
               </a:tr>
-              <a:tr h="370840">
+              <a:tr h="313200">
                 <a:tc>
                   <a:txBody>
                     <a:bodyPr/>
@@ -3287,7 +3233,7 @@
                   </a:ext>
                 </a:extLst>
               </a:tr>
-              <a:tr h="370840">
+              <a:tr h="313200">
                 <a:tc>
                   <a:txBody>
                     <a:bodyPr/>
@@ -3334,7 +3280,7 @@
                   </a:ext>
                 </a:extLst>
               </a:tr>
-              <a:tr h="370840">
+              <a:tr h="313200">
                 <a:tc>
                   <a:txBody>
                     <a:bodyPr/>
@@ -3381,7 +3327,7 @@
                   </a:ext>
                 </a:extLst>
               </a:tr>
-              <a:tr h="370840">
+              <a:tr h="313200">
                 <a:tc>
                   <a:txBody>
                     <a:bodyPr/>
@@ -3428,7 +3374,7 @@
                   </a:ext>
                 </a:extLst>
               </a:tr>
-              <a:tr h="370840">
+              <a:tr h="313200">
                 <a:tc>
                   <a:txBody>
                     <a:bodyPr/>
@@ -3475,7 +3421,7 @@
                   </a:ext>
                 </a:extLst>
               </a:tr>
-              <a:tr h="370840">
+              <a:tr h="313200">
                 <a:tc>
                   <a:txBody>
                     <a:bodyPr/>
@@ -3522,7 +3468,7 @@
                   </a:ext>
                 </a:extLst>
               </a:tr>
-              <a:tr h="370840">
+              <a:tr h="313200">
                 <a:tc>
                   <a:txBody>
                     <a:bodyPr/>
@@ -3569,7 +3515,7 @@
                   </a:ext>
                 </a:extLst>
               </a:tr>
-              <a:tr h="370840">
+              <a:tr h="313200">
                 <a:tc>
                   <a:txBody>
                     <a:bodyPr/>
@@ -3616,7 +3562,7 @@
                   </a:ext>
                 </a:extLst>
               </a:tr>
-              <a:tr h="370840">
+              <a:tr h="313200">
                 <a:tc>
                   <a:txBody>
                     <a:bodyPr/>
@@ -3663,7 +3609,7 @@
                   </a:ext>
                 </a:extLst>
               </a:tr>
-              <a:tr h="370840">
+              <a:tr h="313200">
                 <a:tc>
                   <a:txBody>
                     <a:bodyPr/>
@@ -3710,7 +3656,7 @@
                   </a:ext>
                 </a:extLst>
               </a:tr>
-              <a:tr h="370840">
+              <a:tr h="313200">
                 <a:tc>
                   <a:txBody>
                     <a:bodyPr/>
@@ -3757,7 +3703,7 @@
                   </a:ext>
                 </a:extLst>
               </a:tr>
-              <a:tr h="370840">
+              <a:tr h="313200">
                 <a:tc>
                   <a:txBody>
                     <a:bodyPr/>
@@ -3804,7 +3750,7 @@
                   </a:ext>
                 </a:extLst>
               </a:tr>
-              <a:tr h="370840">
+              <a:tr h="313200">
                 <a:tc>
                   <a:txBody>
                     <a:bodyPr/>
@@ -3851,7 +3797,7 @@
                   </a:ext>
                 </a:extLst>
               </a:tr>
-              <a:tr h="370840">
+              <a:tr h="313200">
                 <a:tc>
                   <a:txBody>
                     <a:bodyPr/>

--- a/Presentazione standard2.pptx
+++ b/Presentazione standard2.pptx
@@ -6,6 +6,9 @@
   </p:sldMasterIdLst>
   <p:sldIdLst>
     <p:sldId id="256" r:id="rId2"/>
+    <p:sldId id="257" r:id="rId3"/>
+    <p:sldId id="258" r:id="rId4"/>
+    <p:sldId id="259" r:id="rId5"/>
   </p:sldIdLst>
   <p:sldSz cx="12192000" cy="6858000"/>
   <p:notesSz cx="6858000" cy="9144000"/>
@@ -3861,6 +3864,204 @@
 </p:sld>
 </file>
 
+<file path=ppt/slides/slide2.xml><?xml version="1.0" encoding="utf-8"?>
+<p:sld xmlns:a="http://schemas.openxmlformats.org/drawingml/2006/main" xmlns:r="http://schemas.openxmlformats.org/officeDocument/2006/relationships" xmlns:p="http://schemas.openxmlformats.org/presentationml/2006/main">
+  <p:cSld>
+    <p:spTree>
+      <p:nvGrpSpPr>
+        <p:cNvPr id="1" name=""/>
+        <p:cNvGrpSpPr/>
+        <p:nvPr/>
+      </p:nvGrpSpPr>
+      <p:grpSpPr>
+        <a:xfrm>
+          <a:off x="0" y="0"/>
+          <a:ext cx="0" cy="0"/>
+          <a:chOff x="0" y="0"/>
+          <a:chExt cx="0" cy="0"/>
+        </a:xfrm>
+      </p:grpSpPr>
+      <p:pic>
+        <p:nvPicPr>
+          <p:cNvPr id="3" name="Picture 2" descr="Graphical user interface, diagram&#10;&#10;Description automatically generated">
+            <a:extLst>
+              <a:ext uri="{FF2B5EF4-FFF2-40B4-BE49-F238E27FC236}">
+                <a16:creationId xmlns:a16="http://schemas.microsoft.com/office/drawing/2014/main" id="{2BD10E94-B5FA-47D7-AC78-2A9343B308A4}"/>
+              </a:ext>
+            </a:extLst>
+          </p:cNvPr>
+          <p:cNvPicPr>
+            <a:picLocks noChangeAspect="1"/>
+          </p:cNvPicPr>
+          <p:nvPr/>
+        </p:nvPicPr>
+        <p:blipFill>
+          <a:blip r:embed="rId2">
+            <a:extLst>
+              <a:ext uri="{28A0092B-C50C-407E-A947-70E740481C1C}">
+                <a14:useLocalDpi xmlns:a14="http://schemas.microsoft.com/office/drawing/2010/main" val="0"/>
+              </a:ext>
+            </a:extLst>
+          </a:blip>
+          <a:stretch>
+            <a:fillRect/>
+          </a:stretch>
+        </p:blipFill>
+        <p:spPr>
+          <a:xfrm>
+            <a:off x="381000" y="0"/>
+            <a:ext cx="11430000" cy="6858000"/>
+          </a:xfrm>
+          <a:prstGeom prst="rect">
+            <a:avLst/>
+          </a:prstGeom>
+        </p:spPr>
+      </p:pic>
+    </p:spTree>
+    <p:extLst>
+      <p:ext uri="{BB962C8B-B14F-4D97-AF65-F5344CB8AC3E}">
+        <p14:creationId xmlns:p14="http://schemas.microsoft.com/office/powerpoint/2010/main" val="90249355"/>
+      </p:ext>
+    </p:extLst>
+  </p:cSld>
+  <p:clrMapOvr>
+    <a:masterClrMapping/>
+  </p:clrMapOvr>
+</p:sld>
+</file>
+
+<file path=ppt/slides/slide3.xml><?xml version="1.0" encoding="utf-8"?>
+<p:sld xmlns:a="http://schemas.openxmlformats.org/drawingml/2006/main" xmlns:r="http://schemas.openxmlformats.org/officeDocument/2006/relationships" xmlns:p="http://schemas.openxmlformats.org/presentationml/2006/main">
+  <p:cSld>
+    <p:spTree>
+      <p:nvGrpSpPr>
+        <p:cNvPr id="1" name=""/>
+        <p:cNvGrpSpPr/>
+        <p:nvPr/>
+      </p:nvGrpSpPr>
+      <p:grpSpPr>
+        <a:xfrm>
+          <a:off x="0" y="0"/>
+          <a:ext cx="0" cy="0"/>
+          <a:chOff x="0" y="0"/>
+          <a:chExt cx="0" cy="0"/>
+        </a:xfrm>
+      </p:grpSpPr>
+      <p:pic>
+        <p:nvPicPr>
+          <p:cNvPr id="3" name="Picture 2" descr="Chart, bar chart&#10;&#10;Description automatically generated">
+            <a:extLst>
+              <a:ext uri="{FF2B5EF4-FFF2-40B4-BE49-F238E27FC236}">
+                <a16:creationId xmlns:a16="http://schemas.microsoft.com/office/drawing/2014/main" id="{497CBD9C-4C94-4D09-BB20-5CA5E1C01C51}"/>
+              </a:ext>
+            </a:extLst>
+          </p:cNvPr>
+          <p:cNvPicPr>
+            <a:picLocks noChangeAspect="1"/>
+          </p:cNvPicPr>
+          <p:nvPr/>
+        </p:nvPicPr>
+        <p:blipFill>
+          <a:blip r:embed="rId2">
+            <a:extLst>
+              <a:ext uri="{28A0092B-C50C-407E-A947-70E740481C1C}">
+                <a14:useLocalDpi xmlns:a14="http://schemas.microsoft.com/office/drawing/2010/main" val="0"/>
+              </a:ext>
+            </a:extLst>
+          </a:blip>
+          <a:stretch>
+            <a:fillRect/>
+          </a:stretch>
+        </p:blipFill>
+        <p:spPr>
+          <a:xfrm>
+            <a:off x="952500" y="0"/>
+            <a:ext cx="10287000" cy="6858000"/>
+          </a:xfrm>
+          <a:prstGeom prst="rect">
+            <a:avLst/>
+          </a:prstGeom>
+        </p:spPr>
+      </p:pic>
+    </p:spTree>
+    <p:extLst>
+      <p:ext uri="{BB962C8B-B14F-4D97-AF65-F5344CB8AC3E}">
+        <p14:creationId xmlns:p14="http://schemas.microsoft.com/office/powerpoint/2010/main" val="1049165265"/>
+      </p:ext>
+    </p:extLst>
+  </p:cSld>
+  <p:clrMapOvr>
+    <a:masterClrMapping/>
+  </p:clrMapOvr>
+</p:sld>
+</file>
+
+<file path=ppt/slides/slide4.xml><?xml version="1.0" encoding="utf-8"?>
+<p:sld xmlns:a="http://schemas.openxmlformats.org/drawingml/2006/main" xmlns:r="http://schemas.openxmlformats.org/officeDocument/2006/relationships" xmlns:p="http://schemas.openxmlformats.org/presentationml/2006/main">
+  <p:cSld>
+    <p:spTree>
+      <p:nvGrpSpPr>
+        <p:cNvPr id="1" name=""/>
+        <p:cNvGrpSpPr/>
+        <p:nvPr/>
+      </p:nvGrpSpPr>
+      <p:grpSpPr>
+        <a:xfrm>
+          <a:off x="0" y="0"/>
+          <a:ext cx="0" cy="0"/>
+          <a:chOff x="0" y="0"/>
+          <a:chExt cx="0" cy="0"/>
+        </a:xfrm>
+      </p:grpSpPr>
+      <p:pic>
+        <p:nvPicPr>
+          <p:cNvPr id="3" name="Picture 2" descr="Chart&#10;&#10;Description automatically generated">
+            <a:extLst>
+              <a:ext uri="{FF2B5EF4-FFF2-40B4-BE49-F238E27FC236}">
+                <a16:creationId xmlns:a16="http://schemas.microsoft.com/office/drawing/2014/main" id="{7AC47CE2-18C6-4318-8047-AC25DF6EA8D9}"/>
+              </a:ext>
+            </a:extLst>
+          </p:cNvPr>
+          <p:cNvPicPr>
+            <a:picLocks noChangeAspect="1"/>
+          </p:cNvPicPr>
+          <p:nvPr/>
+        </p:nvPicPr>
+        <p:blipFill>
+          <a:blip r:embed="rId2">
+            <a:extLst>
+              <a:ext uri="{28A0092B-C50C-407E-A947-70E740481C1C}">
+                <a14:useLocalDpi xmlns:a14="http://schemas.microsoft.com/office/drawing/2010/main" val="0"/>
+              </a:ext>
+            </a:extLst>
+          </a:blip>
+          <a:stretch>
+            <a:fillRect/>
+          </a:stretch>
+        </p:blipFill>
+        <p:spPr>
+          <a:xfrm>
+            <a:off x="952500" y="0"/>
+            <a:ext cx="10287000" cy="6858000"/>
+          </a:xfrm>
+          <a:prstGeom prst="rect">
+            <a:avLst/>
+          </a:prstGeom>
+        </p:spPr>
+      </p:pic>
+    </p:spTree>
+    <p:extLst>
+      <p:ext uri="{BB962C8B-B14F-4D97-AF65-F5344CB8AC3E}">
+        <p14:creationId xmlns:p14="http://schemas.microsoft.com/office/powerpoint/2010/main" val="4283824083"/>
+      </p:ext>
+    </p:extLst>
+  </p:cSld>
+  <p:clrMapOvr>
+    <a:masterClrMapping/>
+  </p:clrMapOvr>
+</p:sld>
+</file>
+
 <file path=ppt/theme/theme1.xml><?xml version="1.0" encoding="utf-8"?>
 <a:theme xmlns:a="http://schemas.openxmlformats.org/drawingml/2006/main" name="Tema di Office">
   <a:themeElements>
